--- a/Lectures/DevOpsTools/Resources/Outro.pptx
+++ b/Lectures/DevOpsTools/Resources/Outro.pptx
@@ -7,8 +7,10 @@
   <p:sldIdLst>
     <p:sldId id="256" r:id="rId2"/>
     <p:sldId id="258" r:id="rId3"/>
-    <p:sldId id="259" r:id="rId4"/>
-    <p:sldId id="257" r:id="rId5"/>
+    <p:sldId id="263" r:id="rId4"/>
+    <p:sldId id="260" r:id="rId5"/>
+    <p:sldId id="261" r:id="rId6"/>
+    <p:sldId id="262" r:id="rId7"/>
   </p:sldIdLst>
   <p:sldSz cx="12192000" cy="6858000"/>
   <p:notesSz cx="6858000" cy="9144000"/>
@@ -109,7 +111,18 @@
   </p:defaultTextStyle>
   <p:extLst>
     <p:ext uri="{EFAFB233-063F-42B5-8137-9DF3F51BA10A}">
-      <p15:sldGuideLst xmlns:p15="http://schemas.microsoft.com/office/powerpoint/2012/main"/>
+      <p15:sldGuideLst xmlns:p15="http://schemas.microsoft.com/office/powerpoint/2012/main">
+        <p15:guide id="1" orient="horz" pos="2160" userDrawn="1">
+          <p15:clr>
+            <a:srgbClr val="A4A3A4"/>
+          </p15:clr>
+        </p15:guide>
+        <p15:guide id="2" pos="3840" userDrawn="1">
+          <p15:clr>
+            <a:srgbClr val="A4A3A4"/>
+          </p15:clr>
+        </p15:guide>
+      </p15:sldGuideLst>
     </p:ext>
   </p:extLst>
 </p:presentation>
@@ -345,7 +358,7 @@
             <a:fld id="{5923F103-BC34-4FE4-A40E-EDDEECFDA5D0}" type="datetimeFigureOut">
               <a:rPr lang="en-US" smtClean="0"/>
               <a:pPr/>
-              <a:t>10/3/2015</a:t>
+              <a:t>10/5/2015</a:t>
             </a:fld>
             <a:endParaRPr lang="en-US" dirty="0"/>
           </a:p>
@@ -685,7 +698,7 @@
           <a:p>
             <a:fld id="{923A1CC3-2375-41D4-9E03-427CAF2A4C1A}" type="datetimeFigureOut">
               <a:rPr lang="en-US" smtClean="0"/>
-              <a:t>10/3/2015</a:t>
+              <a:t>10/5/2015</a:t>
             </a:fld>
             <a:endParaRPr lang="en-US" dirty="0"/>
           </a:p>
@@ -969,7 +982,7 @@
           <a:p>
             <a:fld id="{AFF16868-8199-4C2C-A5B1-63AEE139F88E}" type="datetimeFigureOut">
               <a:rPr lang="en-US" smtClean="0"/>
-              <a:t>10/3/2015</a:t>
+              <a:t>10/5/2015</a:t>
             </a:fld>
             <a:endParaRPr lang="en-US" dirty="0"/>
           </a:p>
@@ -1543,7 +1556,7 @@
           <a:p>
             <a:fld id="{AAD9FF7F-6988-44CC-821B-644E70CD2F73}" type="datetimeFigureOut">
               <a:rPr lang="en-US" smtClean="0"/>
-              <a:t>10/3/2015</a:t>
+              <a:t>10/5/2015</a:t>
             </a:fld>
             <a:endParaRPr lang="en-US" dirty="0"/>
           </a:p>
@@ -2157,7 +2170,7 @@
           <a:p>
             <a:fld id="{5C12C299-16B2-4475-990D-751901EACC14}" type="datetimeFigureOut">
               <a:rPr lang="en-US" smtClean="0"/>
-              <a:t>10/3/2015</a:t>
+              <a:t>10/5/2015</a:t>
             </a:fld>
             <a:endParaRPr lang="en-US" dirty="0"/>
           </a:p>
@@ -2725,7 +2738,7 @@
           <a:p>
             <a:fld id="{2BE451C3-0FF4-47C4-B829-773ADF60F88C}" type="datetimeFigureOut">
               <a:rPr lang="en-US" smtClean="0"/>
-              <a:t>10/3/2015</a:t>
+              <a:t>10/5/2015</a:t>
             </a:fld>
             <a:endParaRPr lang="en-US" dirty="0"/>
           </a:p>
@@ -3059,7 +3072,7 @@
           <a:p>
             <a:fld id="{2BE451C3-0FF4-47C4-B829-773ADF60F88C}" type="datetimeFigureOut">
               <a:rPr lang="en-US" smtClean="0"/>
-              <a:t>10/3/2015</a:t>
+              <a:t>10/5/2015</a:t>
             </a:fld>
             <a:endParaRPr lang="en-US" dirty="0"/>
           </a:p>
@@ -3243,7 +3256,7 @@
           <a:p>
             <a:fld id="{53086D93-FCAC-47E0-A2EE-787E62CA814C}" type="datetimeFigureOut">
               <a:rPr lang="en-US" smtClean="0"/>
-              <a:t>10/3/2015</a:t>
+              <a:t>10/5/2015</a:t>
             </a:fld>
             <a:endParaRPr lang="en-US" dirty="0"/>
           </a:p>
@@ -3487,7 +3500,7 @@
           <a:p>
             <a:fld id="{CDA879A6-0FD0-4734-A311-86BFCA472E6E}" type="datetimeFigureOut">
               <a:rPr lang="en-US" smtClean="0"/>
-              <a:t>10/3/2015</a:t>
+              <a:t>10/5/2015</a:t>
             </a:fld>
             <a:endParaRPr lang="en-US" dirty="0"/>
           </a:p>
@@ -3693,7 +3706,7 @@
           <a:p>
             <a:fld id="{19C9CA7B-DFD4-44B5-8C60-D14B8CD1FB59}" type="datetimeFigureOut">
               <a:rPr lang="en-US" smtClean="0"/>
-              <a:t>10/3/2015</a:t>
+              <a:t>10/5/2015</a:t>
             </a:fld>
             <a:endParaRPr lang="en-US" dirty="0"/>
           </a:p>
@@ -3975,7 +3988,7 @@
           <a:p>
             <a:fld id="{F34E6425-0181-43F2-84FC-787E803FD2F8}" type="datetimeFigureOut">
               <a:rPr lang="en-US" smtClean="0"/>
-              <a:t>10/3/2015</a:t>
+              <a:t>10/5/2015</a:t>
             </a:fld>
             <a:endParaRPr lang="en-US" dirty="0"/>
           </a:p>
@@ -5034,7 +5047,7 @@
           <a:p>
             <a:fld id="{3BDB8791-F1B0-41E7-B7FD-A781E65C4266}" type="datetimeFigureOut">
               <a:rPr lang="en-US" smtClean="0"/>
-              <a:t>10/3/2015</a:t>
+              <a:t>10/5/2015</a:t>
             </a:fld>
             <a:endParaRPr lang="en-US" dirty="0"/>
           </a:p>
@@ -5414,7 +5427,7 @@
           <a:p>
             <a:fld id="{5FDD63B2-E120-4ED8-B27B-C685F510A5FE}" type="datetimeFigureOut">
               <a:rPr lang="en-US" smtClean="0"/>
-              <a:t>10/3/2015</a:t>
+              <a:t>10/5/2015</a:t>
             </a:fld>
             <a:endParaRPr lang="en-US" dirty="0"/>
           </a:p>
@@ -5568,7 +5581,7 @@
           <a:p>
             <a:fld id="{7AA18ACC-A947-437B-A130-35BD54FDF1E9}" type="datetimeFigureOut">
               <a:rPr lang="en-US" smtClean="0"/>
-              <a:t>10/3/2015</a:t>
+              <a:t>10/5/2015</a:t>
             </a:fld>
             <a:endParaRPr lang="en-US" dirty="0"/>
           </a:p>
@@ -5699,7 +5712,7 @@
           <a:p>
             <a:fld id="{7C8D7E02-BCB8-4D50-A234-369438C08659}" type="datetimeFigureOut">
               <a:rPr lang="en-US" smtClean="0"/>
-              <a:t>10/3/2015</a:t>
+              <a:t>10/5/2015</a:t>
             </a:fld>
             <a:endParaRPr lang="en-US" dirty="0"/>
           </a:p>
@@ -5990,7 +6003,7 @@
           <a:p>
             <a:fld id="{76E86A4C-8E40-4F87-A4F0-01A0687C5742}" type="datetimeFigureOut">
               <a:rPr lang="en-US" smtClean="0"/>
-              <a:t>10/3/2015</a:t>
+              <a:t>10/5/2015</a:t>
             </a:fld>
             <a:endParaRPr lang="en-US" dirty="0"/>
           </a:p>
@@ -6320,7 +6333,7 @@
           <a:p>
             <a:fld id="{35E72C73-2D91-4E12-BA25-F0AA0C03599B}" type="datetimeFigureOut">
               <a:rPr lang="en-US" smtClean="0"/>
-              <a:t>10/3/2015</a:t>
+              <a:t>10/5/2015</a:t>
             </a:fld>
             <a:endParaRPr lang="en-US" dirty="0"/>
           </a:p>
@@ -6540,7 +6553,7 @@
           <a:p>
             <a:fld id="{2BE451C3-0FF4-47C4-B829-773ADF60F88C}" type="datetimeFigureOut">
               <a:rPr lang="en-US" smtClean="0"/>
-              <a:t>10/3/2015</a:t>
+              <a:t>10/5/2015</a:t>
             </a:fld>
             <a:endParaRPr lang="en-US" dirty="0"/>
           </a:p>
@@ -7045,8 +7058,22 @@
 </file>
 
 <file path=ppt/slides/slide1.xml><?xml version="1.0" encoding="utf-8"?>
-<p:sld xmlns:a="http://schemas.openxmlformats.org/drawingml/2006/main" xmlns:r="http://schemas.openxmlformats.org/officeDocument/2006/relationships" xmlns:p="http://schemas.openxmlformats.org/presentationml/2006/main">
+<p:sld xmlns:a="http://schemas.openxmlformats.org/drawingml/2006/main" xmlns:r="http://schemas.openxmlformats.org/officeDocument/2006/relationships" xmlns:p="http://schemas.openxmlformats.org/presentationml/2006/main" showMasterSp="0">
   <p:cSld>
+    <p:bg>
+      <p:bgPr>
+        <a:blipFill dpi="0" rotWithShape="1">
+          <a:blip r:embed="rId2">
+            <a:lum/>
+          </a:blip>
+          <a:srcRect/>
+          <a:stretch>
+            <a:fillRect/>
+          </a:stretch>
+        </a:blipFill>
+        <a:effectLst/>
+      </p:bgPr>
+    </p:bg>
     <p:spTree>
       <p:nvGrpSpPr>
         <p:cNvPr id="1" name=""/>
@@ -7071,16 +7098,22 @@
             <p:ph type="ctrTitle"/>
           </p:nvPr>
         </p:nvSpPr>
-        <p:spPr/>
-        <p:txBody>
-          <a:bodyPr/>
+        <p:spPr>
+          <a:xfrm>
+            <a:off x="2497137" y="2218268"/>
+            <a:ext cx="7197726" cy="2421464"/>
+          </a:xfrm>
+        </p:spPr>
+        <p:txBody>
+          <a:bodyPr anchor="ctr"/>
           <a:lstStyle/>
           <a:p>
-            <a:r>
-              <a:rPr lang="en-US" dirty="0" smtClean="0"/>
-              <a:t>Introduction</a:t>
-            </a:r>
-            <a:endParaRPr lang="en-US" dirty="0"/>
+            <a:pPr algn="ctr"/>
+            <a:r>
+              <a:rPr lang="en-US" b="1" cap="none" dirty="0" smtClean="0"/>
+              <a:t>Choosing the right armor!</a:t>
+            </a:r>
+            <a:endParaRPr lang="en-US" b="1" cap="none" dirty="0"/>
           </a:p>
         </p:txBody>
       </p:sp>
@@ -7105,8 +7138,22 @@
 </file>
 
 <file path=ppt/slides/slide2.xml><?xml version="1.0" encoding="utf-8"?>
-<p:sld xmlns:a="http://schemas.openxmlformats.org/drawingml/2006/main" xmlns:r="http://schemas.openxmlformats.org/officeDocument/2006/relationships" xmlns:p="http://schemas.openxmlformats.org/presentationml/2006/main">
+<p:sld xmlns:a="http://schemas.openxmlformats.org/drawingml/2006/main" xmlns:r="http://schemas.openxmlformats.org/officeDocument/2006/relationships" xmlns:p="http://schemas.openxmlformats.org/presentationml/2006/main" showMasterSp="0">
   <p:cSld>
+    <p:bg>
+      <p:bgPr>
+        <a:blipFill dpi="0" rotWithShape="1">
+          <a:blip r:embed="rId2">
+            <a:lum/>
+          </a:blip>
+          <a:srcRect/>
+          <a:stretch>
+            <a:fillRect/>
+          </a:stretch>
+        </a:blipFill>
+        <a:effectLst/>
+      </p:bgPr>
+    </p:bg>
     <p:spTree>
       <p:nvGrpSpPr>
         <p:cNvPr id="1" name=""/>
@@ -7123,7 +7170,7 @@
       </p:grpSpPr>
       <p:sp>
         <p:nvSpPr>
-          <p:cNvPr id="2" name="Title 1"/>
+          <p:cNvPr id="6" name="Title 5"/>
           <p:cNvSpPr>
             <a:spLocks noGrp="1"/>
           </p:cNvSpPr>
@@ -7131,24 +7178,30 @@
             <p:ph type="title"/>
           </p:nvPr>
         </p:nvSpPr>
-        <p:spPr/>
+        <p:spPr>
+          <a:xfrm>
+            <a:off x="1030288" y="2700867"/>
+            <a:ext cx="10131425" cy="1456267"/>
+          </a:xfrm>
+        </p:spPr>
         <p:txBody>
           <a:bodyPr/>
           <a:lstStyle/>
           <a:p>
             <a:pPr algn="ctr"/>
             <a:r>
-              <a:rPr lang="en-US" dirty="0" smtClean="0"/>
-              <a:t/>
-            </a:r>
-            <a:br>
-              <a:rPr lang="en-US" dirty="0" smtClean="0"/>
-            </a:br>
-            <a:r>
-              <a:rPr lang="en-US" dirty="0" smtClean="0"/>
-              <a:t>You shall not endorse.</a:t>
-            </a:r>
-            <a:endParaRPr lang="en-US" dirty="0"/>
+              <a:rPr lang="en-US" b="1" cap="none" dirty="0" smtClean="0">
+                <a:latin typeface="Open Sans" panose="020B0606030504020204" pitchFamily="34" charset="0"/>
+                <a:ea typeface="Open Sans" panose="020B0606030504020204" pitchFamily="34" charset="0"/>
+                <a:cs typeface="Open Sans" panose="020B0606030504020204" pitchFamily="34" charset="0"/>
+              </a:rPr>
+              <a:t>Ask around.</a:t>
+            </a:r>
+            <a:endParaRPr lang="en-US" b="1" cap="none" dirty="0">
+              <a:latin typeface="Open Sans" panose="020B0606030504020204" pitchFamily="34" charset="0"/>
+              <a:ea typeface="Open Sans" panose="020B0606030504020204" pitchFamily="34" charset="0"/>
+              <a:cs typeface="Open Sans" panose="020B0606030504020204" pitchFamily="34" charset="0"/>
+            </a:endParaRPr>
           </a:p>
         </p:txBody>
       </p:sp>
@@ -7165,16 +7218,112 @@
   <p:timing>
     <p:tnLst>
       <p:par>
-        <p:cTn id="1" dur="indefinite" restart="never" nodeType="tmRoot"/>
+        <p:cTn id="1" dur="indefinite" restart="never" nodeType="tmRoot">
+          <p:childTnLst>
+            <p:seq concurrent="1" nextAc="seek">
+              <p:cTn id="2" dur="indefinite" nodeType="mainSeq">
+                <p:childTnLst>
+                  <p:par>
+                    <p:cTn id="3" fill="hold">
+                      <p:stCondLst>
+                        <p:cond delay="indefinite"/>
+                        <p:cond evt="onBegin" delay="0">
+                          <p:tn val="2"/>
+                        </p:cond>
+                      </p:stCondLst>
+                      <p:childTnLst>
+                        <p:par>
+                          <p:cTn id="4" fill="hold">
+                            <p:stCondLst>
+                              <p:cond delay="0"/>
+                            </p:stCondLst>
+                            <p:childTnLst>
+                              <p:par>
+                                <p:cTn id="5" presetID="10" presetClass="entr" presetSubtype="0" fill="hold" grpId="0" nodeType="afterEffect">
+                                  <p:stCondLst>
+                                    <p:cond delay="0"/>
+                                  </p:stCondLst>
+                                  <p:childTnLst>
+                                    <p:set>
+                                      <p:cBhvr>
+                                        <p:cTn id="6" dur="1" fill="hold">
+                                          <p:stCondLst>
+                                            <p:cond delay="0"/>
+                                          </p:stCondLst>
+                                        </p:cTn>
+                                        <p:tgtEl>
+                                          <p:spTgt spid="6"/>
+                                        </p:tgtEl>
+                                        <p:attrNameLst>
+                                          <p:attrName>style.visibility</p:attrName>
+                                        </p:attrNameLst>
+                                      </p:cBhvr>
+                                      <p:to>
+                                        <p:strVal val="visible"/>
+                                      </p:to>
+                                    </p:set>
+                                    <p:animEffect transition="in" filter="fade">
+                                      <p:cBhvr>
+                                        <p:cTn id="7" dur="500"/>
+                                        <p:tgtEl>
+                                          <p:spTgt spid="6"/>
+                                        </p:tgtEl>
+                                      </p:cBhvr>
+                                    </p:animEffect>
+                                  </p:childTnLst>
+                                </p:cTn>
+                              </p:par>
+                            </p:childTnLst>
+                          </p:cTn>
+                        </p:par>
+                      </p:childTnLst>
+                    </p:cTn>
+                  </p:par>
+                </p:childTnLst>
+              </p:cTn>
+              <p:prevCondLst>
+                <p:cond evt="onPrev" delay="0">
+                  <p:tgtEl>
+                    <p:sldTgt/>
+                  </p:tgtEl>
+                </p:cond>
+              </p:prevCondLst>
+              <p:nextCondLst>
+                <p:cond evt="onNext" delay="0">
+                  <p:tgtEl>
+                    <p:sldTgt/>
+                  </p:tgtEl>
+                </p:cond>
+              </p:nextCondLst>
+            </p:seq>
+          </p:childTnLst>
+        </p:cTn>
       </p:par>
     </p:tnLst>
+    <p:bldLst>
+      <p:bldP spid="6" grpId="0"/>
+    </p:bldLst>
   </p:timing>
 </p:sld>
 </file>
 
 <file path=ppt/slides/slide3.xml><?xml version="1.0" encoding="utf-8"?>
-<p:sld xmlns:a="http://schemas.openxmlformats.org/drawingml/2006/main" xmlns:r="http://schemas.openxmlformats.org/officeDocument/2006/relationships" xmlns:p="http://schemas.openxmlformats.org/presentationml/2006/main">
+<p:sld xmlns:a="http://schemas.openxmlformats.org/drawingml/2006/main" xmlns:r="http://schemas.openxmlformats.org/officeDocument/2006/relationships" xmlns:p="http://schemas.openxmlformats.org/presentationml/2006/main" showMasterSp="0">
   <p:cSld>
+    <p:bg>
+      <p:bgPr>
+        <a:blipFill dpi="0" rotWithShape="1">
+          <a:blip r:embed="rId2">
+            <a:lum/>
+          </a:blip>
+          <a:srcRect/>
+          <a:stretch>
+            <a:fillRect/>
+          </a:stretch>
+        </a:blipFill>
+        <a:effectLst/>
+      </p:bgPr>
+    </p:bg>
     <p:spTree>
       <p:nvGrpSpPr>
         <p:cNvPr id="1" name=""/>
@@ -7191,7 +7340,7 @@
       </p:grpSpPr>
       <p:sp>
         <p:nvSpPr>
-          <p:cNvPr id="2" name="Title 1"/>
+          <p:cNvPr id="6" name="Title 5"/>
           <p:cNvSpPr>
             <a:spLocks noGrp="1"/>
           </p:cNvSpPr>
@@ -7201,56 +7350,35 @@
         </p:nvSpPr>
         <p:spPr>
           <a:xfrm>
-            <a:off x="924674" y="1854192"/>
-            <a:ext cx="5675551" cy="1574808"/>
+            <a:off x="1030288" y="2700867"/>
+            <a:ext cx="10131425" cy="1456267"/>
           </a:xfrm>
         </p:spPr>
         <p:txBody>
           <a:bodyPr/>
           <a:lstStyle/>
           <a:p>
-            <a:r>
-              <a:rPr lang="en-US" dirty="0" smtClean="0"/>
-              <a:t>Collaboration is the key</a:t>
-            </a:r>
-            <a:endParaRPr lang="en-US" dirty="0"/>
-          </a:p>
-        </p:txBody>
-      </p:sp>
-      <p:pic>
-        <p:nvPicPr>
-          <p:cNvPr id="7" name="Picture 6"/>
-          <p:cNvPicPr>
-            <a:picLocks noChangeAspect="1"/>
-          </p:cNvPicPr>
-          <p:nvPr/>
-        </p:nvPicPr>
-        <p:blipFill>
-          <a:blip r:embed="rId2">
-            <a:extLst>
-              <a:ext uri="{28A0092B-C50C-407E-A947-70E740481C1C}">
-                <a14:useLocalDpi xmlns:a14="http://schemas.microsoft.com/office/drawing/2010/main" val="0"/>
-              </a:ext>
-            </a:extLst>
-          </a:blip>
-          <a:stretch>
-            <a:fillRect/>
-          </a:stretch>
-        </p:blipFill>
-        <p:spPr>
-          <a:xfrm>
-            <a:off x="6774885" y="1654139"/>
-            <a:ext cx="3549721" cy="3549721"/>
-          </a:xfrm>
-          <a:prstGeom prst="rect">
-            <a:avLst/>
-          </a:prstGeom>
-        </p:spPr>
-      </p:pic>
+            <a:pPr algn="ctr"/>
+            <a:r>
+              <a:rPr lang="en-US" b="1" cap="none" dirty="0" smtClean="0">
+                <a:latin typeface="Open Sans" panose="020B0606030504020204" pitchFamily="34" charset="0"/>
+                <a:ea typeface="Open Sans" panose="020B0606030504020204" pitchFamily="34" charset="0"/>
+                <a:cs typeface="Open Sans" panose="020B0606030504020204" pitchFamily="34" charset="0"/>
+              </a:rPr>
+              <a:t>Money matters!</a:t>
+            </a:r>
+            <a:endParaRPr lang="en-US" b="1" cap="none" dirty="0">
+              <a:latin typeface="Open Sans" panose="020B0606030504020204" pitchFamily="34" charset="0"/>
+              <a:ea typeface="Open Sans" panose="020B0606030504020204" pitchFamily="34" charset="0"/>
+              <a:cs typeface="Open Sans" panose="020B0606030504020204" pitchFamily="34" charset="0"/>
+            </a:endParaRPr>
+          </a:p>
+        </p:txBody>
+      </p:sp>
     </p:spTree>
     <p:extLst>
       <p:ext uri="{BB962C8B-B14F-4D97-AF65-F5344CB8AC3E}">
-        <p14:creationId xmlns:p14="http://schemas.microsoft.com/office/powerpoint/2010/main" val="3430458656"/>
+        <p14:creationId xmlns:p14="http://schemas.microsoft.com/office/powerpoint/2010/main" val="2025723170"/>
       </p:ext>
     </p:extLst>
   </p:cSld>
@@ -7260,16 +7388,112 @@
   <p:timing>
     <p:tnLst>
       <p:par>
-        <p:cTn id="1" dur="indefinite" restart="never" nodeType="tmRoot"/>
+        <p:cTn id="1" dur="indefinite" restart="never" nodeType="tmRoot">
+          <p:childTnLst>
+            <p:seq concurrent="1" nextAc="seek">
+              <p:cTn id="2" dur="indefinite" nodeType="mainSeq">
+                <p:childTnLst>
+                  <p:par>
+                    <p:cTn id="3" fill="hold">
+                      <p:stCondLst>
+                        <p:cond delay="indefinite"/>
+                        <p:cond evt="onBegin" delay="0">
+                          <p:tn val="2"/>
+                        </p:cond>
+                      </p:stCondLst>
+                      <p:childTnLst>
+                        <p:par>
+                          <p:cTn id="4" fill="hold">
+                            <p:stCondLst>
+                              <p:cond delay="0"/>
+                            </p:stCondLst>
+                            <p:childTnLst>
+                              <p:par>
+                                <p:cTn id="5" presetID="10" presetClass="entr" presetSubtype="0" fill="hold" grpId="0" nodeType="withEffect">
+                                  <p:stCondLst>
+                                    <p:cond delay="0"/>
+                                  </p:stCondLst>
+                                  <p:childTnLst>
+                                    <p:set>
+                                      <p:cBhvr>
+                                        <p:cTn id="6" dur="1" fill="hold">
+                                          <p:stCondLst>
+                                            <p:cond delay="0"/>
+                                          </p:stCondLst>
+                                        </p:cTn>
+                                        <p:tgtEl>
+                                          <p:spTgt spid="6"/>
+                                        </p:tgtEl>
+                                        <p:attrNameLst>
+                                          <p:attrName>style.visibility</p:attrName>
+                                        </p:attrNameLst>
+                                      </p:cBhvr>
+                                      <p:to>
+                                        <p:strVal val="visible"/>
+                                      </p:to>
+                                    </p:set>
+                                    <p:animEffect transition="in" filter="fade">
+                                      <p:cBhvr>
+                                        <p:cTn id="7" dur="500"/>
+                                        <p:tgtEl>
+                                          <p:spTgt spid="6"/>
+                                        </p:tgtEl>
+                                      </p:cBhvr>
+                                    </p:animEffect>
+                                  </p:childTnLst>
+                                </p:cTn>
+                              </p:par>
+                            </p:childTnLst>
+                          </p:cTn>
+                        </p:par>
+                      </p:childTnLst>
+                    </p:cTn>
+                  </p:par>
+                </p:childTnLst>
+              </p:cTn>
+              <p:prevCondLst>
+                <p:cond evt="onPrev" delay="0">
+                  <p:tgtEl>
+                    <p:sldTgt/>
+                  </p:tgtEl>
+                </p:cond>
+              </p:prevCondLst>
+              <p:nextCondLst>
+                <p:cond evt="onNext" delay="0">
+                  <p:tgtEl>
+                    <p:sldTgt/>
+                  </p:tgtEl>
+                </p:cond>
+              </p:nextCondLst>
+            </p:seq>
+          </p:childTnLst>
+        </p:cTn>
       </p:par>
     </p:tnLst>
+    <p:bldLst>
+      <p:bldP spid="6" grpId="0"/>
+    </p:bldLst>
   </p:timing>
 </p:sld>
 </file>
 
 <file path=ppt/slides/slide4.xml><?xml version="1.0" encoding="utf-8"?>
-<p:sld xmlns:a="http://schemas.openxmlformats.org/drawingml/2006/main" xmlns:r="http://schemas.openxmlformats.org/officeDocument/2006/relationships" xmlns:p="http://schemas.openxmlformats.org/presentationml/2006/main">
+<p:sld xmlns:a="http://schemas.openxmlformats.org/drawingml/2006/main" xmlns:r="http://schemas.openxmlformats.org/officeDocument/2006/relationships" xmlns:p="http://schemas.openxmlformats.org/presentationml/2006/main" showMasterSp="0">
   <p:cSld>
+    <p:bg>
+      <p:bgPr>
+        <a:blipFill dpi="0" rotWithShape="1">
+          <a:blip r:embed="rId2">
+            <a:lum/>
+          </a:blip>
+          <a:srcRect/>
+          <a:stretch>
+            <a:fillRect/>
+          </a:stretch>
+        </a:blipFill>
+        <a:effectLst/>
+      </p:bgPr>
+    </p:bg>
     <p:spTree>
       <p:nvGrpSpPr>
         <p:cNvPr id="1" name=""/>
@@ -7286,7 +7510,7 @@
       </p:grpSpPr>
       <p:sp>
         <p:nvSpPr>
-          <p:cNvPr id="2" name="Title 1"/>
+          <p:cNvPr id="6" name="Title 5"/>
           <p:cNvSpPr>
             <a:spLocks noGrp="1"/>
           </p:cNvSpPr>
@@ -7294,27 +7518,37 @@
             <p:ph type="title"/>
           </p:nvPr>
         </p:nvSpPr>
-        <p:spPr/>
+        <p:spPr>
+          <a:xfrm>
+            <a:off x="1030288" y="2700867"/>
+            <a:ext cx="10131425" cy="1456267"/>
+          </a:xfrm>
+        </p:spPr>
         <p:txBody>
           <a:bodyPr/>
           <a:lstStyle/>
           <a:p>
-            <a:r>
-              <a:rPr lang="en-US" dirty="0"/>
-              <a:t>Who picks a tool unsuited to a task should not complain if it does no more than cut the hand that holds it</a:t>
-            </a:r>
-            <a:r>
-              <a:rPr lang="en-US" dirty="0" smtClean="0"/>
-              <a:t>.</a:t>
-            </a:r>
-            <a:endParaRPr lang="en-US" dirty="0"/>
+            <a:pPr algn="ctr"/>
+            <a:r>
+              <a:rPr lang="en-US" b="1" cap="none" dirty="0" smtClean="0">
+                <a:latin typeface="Open Sans" panose="020B0606030504020204" pitchFamily="34" charset="0"/>
+                <a:ea typeface="Open Sans" panose="020B0606030504020204" pitchFamily="34" charset="0"/>
+                <a:cs typeface="Open Sans" panose="020B0606030504020204" pitchFamily="34" charset="0"/>
+              </a:rPr>
+              <a:t>Don’t underestimate the power of community.</a:t>
+            </a:r>
+            <a:endParaRPr lang="en-US" b="1" cap="none" dirty="0">
+              <a:latin typeface="Open Sans" panose="020B0606030504020204" pitchFamily="34" charset="0"/>
+              <a:ea typeface="Open Sans" panose="020B0606030504020204" pitchFamily="34" charset="0"/>
+              <a:cs typeface="Open Sans" panose="020B0606030504020204" pitchFamily="34" charset="0"/>
+            </a:endParaRPr>
           </a:p>
         </p:txBody>
       </p:sp>
     </p:spTree>
     <p:extLst>
       <p:ext uri="{BB962C8B-B14F-4D97-AF65-F5344CB8AC3E}">
-        <p14:creationId xmlns:p14="http://schemas.microsoft.com/office/powerpoint/2010/main" val="1977887404"/>
+        <p14:creationId xmlns:p14="http://schemas.microsoft.com/office/powerpoint/2010/main" val="1984624123"/>
       </p:ext>
     </p:extLst>
   </p:cSld>
@@ -7324,9 +7558,431 @@
   <p:timing>
     <p:tnLst>
       <p:par>
-        <p:cTn id="1" dur="indefinite" restart="never" nodeType="tmRoot"/>
+        <p:cTn id="1" dur="indefinite" restart="never" nodeType="tmRoot">
+          <p:childTnLst>
+            <p:seq concurrent="1" nextAc="seek">
+              <p:cTn id="2" dur="indefinite" nodeType="mainSeq">
+                <p:childTnLst>
+                  <p:par>
+                    <p:cTn id="3" fill="hold">
+                      <p:stCondLst>
+                        <p:cond delay="indefinite"/>
+                        <p:cond evt="onBegin" delay="0">
+                          <p:tn val="2"/>
+                        </p:cond>
+                      </p:stCondLst>
+                      <p:childTnLst>
+                        <p:par>
+                          <p:cTn id="4" fill="hold">
+                            <p:stCondLst>
+                              <p:cond delay="0"/>
+                            </p:stCondLst>
+                            <p:childTnLst>
+                              <p:par>
+                                <p:cTn id="5" presetID="10" presetClass="entr" presetSubtype="0" fill="hold" grpId="0" nodeType="withEffect">
+                                  <p:stCondLst>
+                                    <p:cond delay="0"/>
+                                  </p:stCondLst>
+                                  <p:childTnLst>
+                                    <p:set>
+                                      <p:cBhvr>
+                                        <p:cTn id="6" dur="1" fill="hold">
+                                          <p:stCondLst>
+                                            <p:cond delay="0"/>
+                                          </p:stCondLst>
+                                        </p:cTn>
+                                        <p:tgtEl>
+                                          <p:spTgt spid="6"/>
+                                        </p:tgtEl>
+                                        <p:attrNameLst>
+                                          <p:attrName>style.visibility</p:attrName>
+                                        </p:attrNameLst>
+                                      </p:cBhvr>
+                                      <p:to>
+                                        <p:strVal val="visible"/>
+                                      </p:to>
+                                    </p:set>
+                                    <p:animEffect transition="in" filter="fade">
+                                      <p:cBhvr>
+                                        <p:cTn id="7" dur="500"/>
+                                        <p:tgtEl>
+                                          <p:spTgt spid="6"/>
+                                        </p:tgtEl>
+                                      </p:cBhvr>
+                                    </p:animEffect>
+                                  </p:childTnLst>
+                                </p:cTn>
+                              </p:par>
+                            </p:childTnLst>
+                          </p:cTn>
+                        </p:par>
+                      </p:childTnLst>
+                    </p:cTn>
+                  </p:par>
+                </p:childTnLst>
+              </p:cTn>
+              <p:prevCondLst>
+                <p:cond evt="onPrev" delay="0">
+                  <p:tgtEl>
+                    <p:sldTgt/>
+                  </p:tgtEl>
+                </p:cond>
+              </p:prevCondLst>
+              <p:nextCondLst>
+                <p:cond evt="onNext" delay="0">
+                  <p:tgtEl>
+                    <p:sldTgt/>
+                  </p:tgtEl>
+                </p:cond>
+              </p:nextCondLst>
+            </p:seq>
+          </p:childTnLst>
+        </p:cTn>
       </p:par>
     </p:tnLst>
+    <p:bldLst>
+      <p:bldP spid="6" grpId="0"/>
+    </p:bldLst>
+  </p:timing>
+</p:sld>
+</file>
+
+<file path=ppt/slides/slide5.xml><?xml version="1.0" encoding="utf-8"?>
+<p:sld xmlns:a="http://schemas.openxmlformats.org/drawingml/2006/main" xmlns:r="http://schemas.openxmlformats.org/officeDocument/2006/relationships" xmlns:p="http://schemas.openxmlformats.org/presentationml/2006/main" showMasterSp="0">
+  <p:cSld>
+    <p:bg>
+      <p:bgPr>
+        <a:blipFill dpi="0" rotWithShape="1">
+          <a:blip r:embed="rId2">
+            <a:lum/>
+          </a:blip>
+          <a:srcRect/>
+          <a:stretch>
+            <a:fillRect/>
+          </a:stretch>
+        </a:blipFill>
+        <a:effectLst/>
+      </p:bgPr>
+    </p:bg>
+    <p:spTree>
+      <p:nvGrpSpPr>
+        <p:cNvPr id="1" name=""/>
+        <p:cNvGrpSpPr/>
+        <p:nvPr/>
+      </p:nvGrpSpPr>
+      <p:grpSpPr>
+        <a:xfrm>
+          <a:off x="0" y="0"/>
+          <a:ext cx="0" cy="0"/>
+          <a:chOff x="0" y="0"/>
+          <a:chExt cx="0" cy="0"/>
+        </a:xfrm>
+      </p:grpSpPr>
+      <p:sp>
+        <p:nvSpPr>
+          <p:cNvPr id="6" name="Title 5"/>
+          <p:cNvSpPr>
+            <a:spLocks noGrp="1"/>
+          </p:cNvSpPr>
+          <p:nvPr>
+            <p:ph type="title"/>
+          </p:nvPr>
+        </p:nvSpPr>
+        <p:spPr>
+          <a:xfrm>
+            <a:off x="1030287" y="2700867"/>
+            <a:ext cx="10131425" cy="1456267"/>
+          </a:xfrm>
+        </p:spPr>
+        <p:txBody>
+          <a:bodyPr/>
+          <a:lstStyle/>
+          <a:p>
+            <a:pPr algn="ctr"/>
+            <a:r>
+              <a:rPr lang="en-US" b="1" cap="none" dirty="0" smtClean="0">
+                <a:latin typeface="Open Sans" panose="020B0606030504020204" pitchFamily="34" charset="0"/>
+                <a:ea typeface="Open Sans" panose="020B0606030504020204" pitchFamily="34" charset="0"/>
+                <a:cs typeface="Open Sans" panose="020B0606030504020204" pitchFamily="34" charset="0"/>
+              </a:rPr>
+              <a:t>Deal with compromise.</a:t>
+            </a:r>
+            <a:endParaRPr lang="en-US" b="1" cap="none" dirty="0">
+              <a:latin typeface="Open Sans" panose="020B0606030504020204" pitchFamily="34" charset="0"/>
+              <a:ea typeface="Open Sans" panose="020B0606030504020204" pitchFamily="34" charset="0"/>
+              <a:cs typeface="Open Sans" panose="020B0606030504020204" pitchFamily="34" charset="0"/>
+            </a:endParaRPr>
+          </a:p>
+        </p:txBody>
+      </p:sp>
+    </p:spTree>
+    <p:extLst>
+      <p:ext uri="{BB962C8B-B14F-4D97-AF65-F5344CB8AC3E}">
+        <p14:creationId xmlns:p14="http://schemas.microsoft.com/office/powerpoint/2010/main" val="2664819054"/>
+      </p:ext>
+    </p:extLst>
+  </p:cSld>
+  <p:clrMapOvr>
+    <a:masterClrMapping/>
+  </p:clrMapOvr>
+  <p:timing>
+    <p:tnLst>
+      <p:par>
+        <p:cTn id="1" dur="indefinite" restart="never" nodeType="tmRoot">
+          <p:childTnLst>
+            <p:seq concurrent="1" nextAc="seek">
+              <p:cTn id="2" dur="indefinite" nodeType="mainSeq">
+                <p:childTnLst>
+                  <p:par>
+                    <p:cTn id="3" fill="hold">
+                      <p:stCondLst>
+                        <p:cond delay="indefinite"/>
+                        <p:cond evt="onBegin" delay="0">
+                          <p:tn val="2"/>
+                        </p:cond>
+                      </p:stCondLst>
+                      <p:childTnLst>
+                        <p:par>
+                          <p:cTn id="4" fill="hold">
+                            <p:stCondLst>
+                              <p:cond delay="0"/>
+                            </p:stCondLst>
+                            <p:childTnLst>
+                              <p:par>
+                                <p:cTn id="5" presetID="10" presetClass="entr" presetSubtype="0" fill="hold" grpId="0" nodeType="withEffect">
+                                  <p:stCondLst>
+                                    <p:cond delay="0"/>
+                                  </p:stCondLst>
+                                  <p:childTnLst>
+                                    <p:set>
+                                      <p:cBhvr>
+                                        <p:cTn id="6" dur="1" fill="hold">
+                                          <p:stCondLst>
+                                            <p:cond delay="0"/>
+                                          </p:stCondLst>
+                                        </p:cTn>
+                                        <p:tgtEl>
+                                          <p:spTgt spid="6"/>
+                                        </p:tgtEl>
+                                        <p:attrNameLst>
+                                          <p:attrName>style.visibility</p:attrName>
+                                        </p:attrNameLst>
+                                      </p:cBhvr>
+                                      <p:to>
+                                        <p:strVal val="visible"/>
+                                      </p:to>
+                                    </p:set>
+                                    <p:animEffect transition="in" filter="fade">
+                                      <p:cBhvr>
+                                        <p:cTn id="7" dur="500"/>
+                                        <p:tgtEl>
+                                          <p:spTgt spid="6"/>
+                                        </p:tgtEl>
+                                      </p:cBhvr>
+                                    </p:animEffect>
+                                  </p:childTnLst>
+                                </p:cTn>
+                              </p:par>
+                            </p:childTnLst>
+                          </p:cTn>
+                        </p:par>
+                      </p:childTnLst>
+                    </p:cTn>
+                  </p:par>
+                </p:childTnLst>
+              </p:cTn>
+              <p:prevCondLst>
+                <p:cond evt="onPrev" delay="0">
+                  <p:tgtEl>
+                    <p:sldTgt/>
+                  </p:tgtEl>
+                </p:cond>
+              </p:prevCondLst>
+              <p:nextCondLst>
+                <p:cond evt="onNext" delay="0">
+                  <p:tgtEl>
+                    <p:sldTgt/>
+                  </p:tgtEl>
+                </p:cond>
+              </p:nextCondLst>
+            </p:seq>
+          </p:childTnLst>
+        </p:cTn>
+      </p:par>
+    </p:tnLst>
+    <p:bldLst>
+      <p:bldP spid="6" grpId="0"/>
+    </p:bldLst>
+  </p:timing>
+</p:sld>
+</file>
+
+<file path=ppt/slides/slide6.xml><?xml version="1.0" encoding="utf-8"?>
+<p:sld xmlns:a="http://schemas.openxmlformats.org/drawingml/2006/main" xmlns:r="http://schemas.openxmlformats.org/officeDocument/2006/relationships" xmlns:p="http://schemas.openxmlformats.org/presentationml/2006/main" showMasterSp="0">
+  <p:cSld>
+    <p:bg>
+      <p:bgPr>
+        <a:blipFill dpi="0" rotWithShape="1">
+          <a:blip r:embed="rId2">
+            <a:lum/>
+          </a:blip>
+          <a:srcRect/>
+          <a:stretch>
+            <a:fillRect/>
+          </a:stretch>
+        </a:blipFill>
+        <a:effectLst/>
+      </p:bgPr>
+    </p:bg>
+    <p:spTree>
+      <p:nvGrpSpPr>
+        <p:cNvPr id="1" name=""/>
+        <p:cNvGrpSpPr/>
+        <p:nvPr/>
+      </p:nvGrpSpPr>
+      <p:grpSpPr>
+        <a:xfrm>
+          <a:off x="0" y="0"/>
+          <a:ext cx="0" cy="0"/>
+          <a:chOff x="0" y="0"/>
+          <a:chExt cx="0" cy="0"/>
+        </a:xfrm>
+      </p:grpSpPr>
+      <p:sp>
+        <p:nvSpPr>
+          <p:cNvPr id="6" name="Title 5"/>
+          <p:cNvSpPr>
+            <a:spLocks noGrp="1"/>
+          </p:cNvSpPr>
+          <p:nvPr>
+            <p:ph type="title"/>
+          </p:nvPr>
+        </p:nvSpPr>
+        <p:spPr>
+          <a:xfrm>
+            <a:off x="1030287" y="2700867"/>
+            <a:ext cx="10131425" cy="1456267"/>
+          </a:xfrm>
+        </p:spPr>
+        <p:txBody>
+          <a:bodyPr/>
+          <a:lstStyle/>
+          <a:p>
+            <a:pPr algn="ctr"/>
+            <a:r>
+              <a:rPr lang="en-US" b="1" cap="none" dirty="0" smtClean="0">
+                <a:latin typeface="Open Sans" panose="020B0606030504020204" pitchFamily="34" charset="0"/>
+                <a:ea typeface="Open Sans" panose="020B0606030504020204" pitchFamily="34" charset="0"/>
+                <a:cs typeface="Open Sans" panose="020B0606030504020204" pitchFamily="34" charset="0"/>
+              </a:rPr>
+              <a:t>Apples with Apples. Consistency is the key.</a:t>
+            </a:r>
+            <a:endParaRPr lang="en-US" b="1" cap="none" dirty="0">
+              <a:latin typeface="Open Sans" panose="020B0606030504020204" pitchFamily="34" charset="0"/>
+              <a:ea typeface="Open Sans" panose="020B0606030504020204" pitchFamily="34" charset="0"/>
+              <a:cs typeface="Open Sans" panose="020B0606030504020204" pitchFamily="34" charset="0"/>
+            </a:endParaRPr>
+          </a:p>
+        </p:txBody>
+      </p:sp>
+    </p:spTree>
+    <p:extLst>
+      <p:ext uri="{BB962C8B-B14F-4D97-AF65-F5344CB8AC3E}">
+        <p14:creationId xmlns:p14="http://schemas.microsoft.com/office/powerpoint/2010/main" val="138573072"/>
+      </p:ext>
+    </p:extLst>
+  </p:cSld>
+  <p:clrMapOvr>
+    <a:masterClrMapping/>
+  </p:clrMapOvr>
+  <p:timing>
+    <p:tnLst>
+      <p:par>
+        <p:cTn id="1" dur="indefinite" restart="never" nodeType="tmRoot">
+          <p:childTnLst>
+            <p:seq concurrent="1" nextAc="seek">
+              <p:cTn id="2" dur="indefinite" nodeType="mainSeq">
+                <p:childTnLst>
+                  <p:par>
+                    <p:cTn id="3" fill="hold">
+                      <p:stCondLst>
+                        <p:cond delay="indefinite"/>
+                        <p:cond evt="onBegin" delay="0">
+                          <p:tn val="2"/>
+                        </p:cond>
+                      </p:stCondLst>
+                      <p:childTnLst>
+                        <p:par>
+                          <p:cTn id="4" fill="hold">
+                            <p:stCondLst>
+                              <p:cond delay="0"/>
+                            </p:stCondLst>
+                            <p:childTnLst>
+                              <p:par>
+                                <p:cTn id="5" presetID="10" presetClass="entr" presetSubtype="0" fill="hold" grpId="0" nodeType="withEffect">
+                                  <p:stCondLst>
+                                    <p:cond delay="0"/>
+                                  </p:stCondLst>
+                                  <p:childTnLst>
+                                    <p:set>
+                                      <p:cBhvr>
+                                        <p:cTn id="6" dur="1" fill="hold">
+                                          <p:stCondLst>
+                                            <p:cond delay="0"/>
+                                          </p:stCondLst>
+                                        </p:cTn>
+                                        <p:tgtEl>
+                                          <p:spTgt spid="6"/>
+                                        </p:tgtEl>
+                                        <p:attrNameLst>
+                                          <p:attrName>style.visibility</p:attrName>
+                                        </p:attrNameLst>
+                                      </p:cBhvr>
+                                      <p:to>
+                                        <p:strVal val="visible"/>
+                                      </p:to>
+                                    </p:set>
+                                    <p:animEffect transition="in" filter="fade">
+                                      <p:cBhvr>
+                                        <p:cTn id="7" dur="500"/>
+                                        <p:tgtEl>
+                                          <p:spTgt spid="6"/>
+                                        </p:tgtEl>
+                                      </p:cBhvr>
+                                    </p:animEffect>
+                                  </p:childTnLst>
+                                </p:cTn>
+                              </p:par>
+                            </p:childTnLst>
+                          </p:cTn>
+                        </p:par>
+                      </p:childTnLst>
+                    </p:cTn>
+                  </p:par>
+                </p:childTnLst>
+              </p:cTn>
+              <p:prevCondLst>
+                <p:cond evt="onPrev" delay="0">
+                  <p:tgtEl>
+                    <p:sldTgt/>
+                  </p:tgtEl>
+                </p:cond>
+              </p:prevCondLst>
+              <p:nextCondLst>
+                <p:cond evt="onNext" delay="0">
+                  <p:tgtEl>
+                    <p:sldTgt/>
+                  </p:tgtEl>
+                </p:cond>
+              </p:nextCondLst>
+            </p:seq>
+          </p:childTnLst>
+        </p:cTn>
+      </p:par>
+    </p:tnLst>
+    <p:bldLst>
+      <p:bldP spid="6" grpId="0"/>
+    </p:bldLst>
   </p:timing>
 </p:sld>
 </file>

--- a/Lectures/DevOpsTools/Resources/Outro.pptx
+++ b/Lectures/DevOpsTools/Resources/Outro.pptx
@@ -11,6 +11,7 @@
     <p:sldId id="260" r:id="rId5"/>
     <p:sldId id="261" r:id="rId6"/>
     <p:sldId id="262" r:id="rId7"/>
+    <p:sldId id="264" r:id="rId8"/>
   </p:sldIdLst>
   <p:sldSz cx="12192000" cy="6858000"/>
   <p:notesSz cx="6858000" cy="9144000"/>
@@ -358,7 +359,7 @@
             <a:fld id="{5923F103-BC34-4FE4-A40E-EDDEECFDA5D0}" type="datetimeFigureOut">
               <a:rPr lang="en-US" smtClean="0"/>
               <a:pPr/>
-              <a:t>10/5/2015</a:t>
+              <a:t>10/6/2015</a:t>
             </a:fld>
             <a:endParaRPr lang="en-US" dirty="0"/>
           </a:p>
@@ -698,7 +699,7 @@
           <a:p>
             <a:fld id="{923A1CC3-2375-41D4-9E03-427CAF2A4C1A}" type="datetimeFigureOut">
               <a:rPr lang="en-US" smtClean="0"/>
-              <a:t>10/5/2015</a:t>
+              <a:t>10/6/2015</a:t>
             </a:fld>
             <a:endParaRPr lang="en-US" dirty="0"/>
           </a:p>
@@ -982,7 +983,7 @@
           <a:p>
             <a:fld id="{AFF16868-8199-4C2C-A5B1-63AEE139F88E}" type="datetimeFigureOut">
               <a:rPr lang="en-US" smtClean="0"/>
-              <a:t>10/5/2015</a:t>
+              <a:t>10/6/2015</a:t>
             </a:fld>
             <a:endParaRPr lang="en-US" dirty="0"/>
           </a:p>
@@ -1556,7 +1557,7 @@
           <a:p>
             <a:fld id="{AAD9FF7F-6988-44CC-821B-644E70CD2F73}" type="datetimeFigureOut">
               <a:rPr lang="en-US" smtClean="0"/>
-              <a:t>10/5/2015</a:t>
+              <a:t>10/6/2015</a:t>
             </a:fld>
             <a:endParaRPr lang="en-US" dirty="0"/>
           </a:p>
@@ -2170,7 +2171,7 @@
           <a:p>
             <a:fld id="{5C12C299-16B2-4475-990D-751901EACC14}" type="datetimeFigureOut">
               <a:rPr lang="en-US" smtClean="0"/>
-              <a:t>10/5/2015</a:t>
+              <a:t>10/6/2015</a:t>
             </a:fld>
             <a:endParaRPr lang="en-US" dirty="0"/>
           </a:p>
@@ -2738,7 +2739,7 @@
           <a:p>
             <a:fld id="{2BE451C3-0FF4-47C4-B829-773ADF60F88C}" type="datetimeFigureOut">
               <a:rPr lang="en-US" smtClean="0"/>
-              <a:t>10/5/2015</a:t>
+              <a:t>10/6/2015</a:t>
             </a:fld>
             <a:endParaRPr lang="en-US" dirty="0"/>
           </a:p>
@@ -3072,7 +3073,7 @@
           <a:p>
             <a:fld id="{2BE451C3-0FF4-47C4-B829-773ADF60F88C}" type="datetimeFigureOut">
               <a:rPr lang="en-US" smtClean="0"/>
-              <a:t>10/5/2015</a:t>
+              <a:t>10/6/2015</a:t>
             </a:fld>
             <a:endParaRPr lang="en-US" dirty="0"/>
           </a:p>
@@ -3256,7 +3257,7 @@
           <a:p>
             <a:fld id="{53086D93-FCAC-47E0-A2EE-787E62CA814C}" type="datetimeFigureOut">
               <a:rPr lang="en-US" smtClean="0"/>
-              <a:t>10/5/2015</a:t>
+              <a:t>10/6/2015</a:t>
             </a:fld>
             <a:endParaRPr lang="en-US" dirty="0"/>
           </a:p>
@@ -3500,7 +3501,7 @@
           <a:p>
             <a:fld id="{CDA879A6-0FD0-4734-A311-86BFCA472E6E}" type="datetimeFigureOut">
               <a:rPr lang="en-US" smtClean="0"/>
-              <a:t>10/5/2015</a:t>
+              <a:t>10/6/2015</a:t>
             </a:fld>
             <a:endParaRPr lang="en-US" dirty="0"/>
           </a:p>
@@ -3706,7 +3707,7 @@
           <a:p>
             <a:fld id="{19C9CA7B-DFD4-44B5-8C60-D14B8CD1FB59}" type="datetimeFigureOut">
               <a:rPr lang="en-US" smtClean="0"/>
-              <a:t>10/5/2015</a:t>
+              <a:t>10/6/2015</a:t>
             </a:fld>
             <a:endParaRPr lang="en-US" dirty="0"/>
           </a:p>
@@ -3988,7 +3989,7 @@
           <a:p>
             <a:fld id="{F34E6425-0181-43F2-84FC-787E803FD2F8}" type="datetimeFigureOut">
               <a:rPr lang="en-US" smtClean="0"/>
-              <a:t>10/5/2015</a:t>
+              <a:t>10/6/2015</a:t>
             </a:fld>
             <a:endParaRPr lang="en-US" dirty="0"/>
           </a:p>
@@ -5047,7 +5048,7 @@
           <a:p>
             <a:fld id="{3BDB8791-F1B0-41E7-B7FD-A781E65C4266}" type="datetimeFigureOut">
               <a:rPr lang="en-US" smtClean="0"/>
-              <a:t>10/5/2015</a:t>
+              <a:t>10/6/2015</a:t>
             </a:fld>
             <a:endParaRPr lang="en-US" dirty="0"/>
           </a:p>
@@ -5427,7 +5428,7 @@
           <a:p>
             <a:fld id="{5FDD63B2-E120-4ED8-B27B-C685F510A5FE}" type="datetimeFigureOut">
               <a:rPr lang="en-US" smtClean="0"/>
-              <a:t>10/5/2015</a:t>
+              <a:t>10/6/2015</a:t>
             </a:fld>
             <a:endParaRPr lang="en-US" dirty="0"/>
           </a:p>
@@ -5581,7 +5582,7 @@
           <a:p>
             <a:fld id="{7AA18ACC-A947-437B-A130-35BD54FDF1E9}" type="datetimeFigureOut">
               <a:rPr lang="en-US" smtClean="0"/>
-              <a:t>10/5/2015</a:t>
+              <a:t>10/6/2015</a:t>
             </a:fld>
             <a:endParaRPr lang="en-US" dirty="0"/>
           </a:p>
@@ -5712,7 +5713,7 @@
           <a:p>
             <a:fld id="{7C8D7E02-BCB8-4D50-A234-369438C08659}" type="datetimeFigureOut">
               <a:rPr lang="en-US" smtClean="0"/>
-              <a:t>10/5/2015</a:t>
+              <a:t>10/6/2015</a:t>
             </a:fld>
             <a:endParaRPr lang="en-US" dirty="0"/>
           </a:p>
@@ -6003,7 +6004,7 @@
           <a:p>
             <a:fld id="{76E86A4C-8E40-4F87-A4F0-01A0687C5742}" type="datetimeFigureOut">
               <a:rPr lang="en-US" smtClean="0"/>
-              <a:t>10/5/2015</a:t>
+              <a:t>10/6/2015</a:t>
             </a:fld>
             <a:endParaRPr lang="en-US" dirty="0"/>
           </a:p>
@@ -6333,7 +6334,7 @@
           <a:p>
             <a:fld id="{35E72C73-2D91-4E12-BA25-F0AA0C03599B}" type="datetimeFigureOut">
               <a:rPr lang="en-US" smtClean="0"/>
-              <a:t>10/5/2015</a:t>
+              <a:t>10/6/2015</a:t>
             </a:fld>
             <a:endParaRPr lang="en-US" dirty="0"/>
           </a:p>
@@ -6553,7 +6554,7 @@
           <a:p>
             <a:fld id="{2BE451C3-0FF4-47C4-B829-773ADF60F88C}" type="datetimeFigureOut">
               <a:rPr lang="en-US" smtClean="0"/>
-              <a:t>10/5/2015</a:t>
+              <a:t>10/6/2015</a:t>
             </a:fld>
             <a:endParaRPr lang="en-US" dirty="0"/>
           </a:p>
@@ -7987,6 +7988,176 @@
 </p:sld>
 </file>
 
+<file path=ppt/slides/slide7.xml><?xml version="1.0" encoding="utf-8"?>
+<p:sld xmlns:a="http://schemas.openxmlformats.org/drawingml/2006/main" xmlns:r="http://schemas.openxmlformats.org/officeDocument/2006/relationships" xmlns:p="http://schemas.openxmlformats.org/presentationml/2006/main">
+  <p:cSld>
+    <p:bg>
+      <p:bgPr>
+        <a:blipFill dpi="0" rotWithShape="1">
+          <a:blip r:embed="rId2">
+            <a:lum/>
+          </a:blip>
+          <a:srcRect/>
+          <a:stretch>
+            <a:fillRect/>
+          </a:stretch>
+        </a:blipFill>
+        <a:effectLst/>
+      </p:bgPr>
+    </p:bg>
+    <p:spTree>
+      <p:nvGrpSpPr>
+        <p:cNvPr id="1" name=""/>
+        <p:cNvGrpSpPr/>
+        <p:nvPr/>
+      </p:nvGrpSpPr>
+      <p:grpSpPr>
+        <a:xfrm>
+          <a:off x="0" y="0"/>
+          <a:ext cx="0" cy="0"/>
+          <a:chOff x="0" y="0"/>
+          <a:chExt cx="0" cy="0"/>
+        </a:xfrm>
+      </p:grpSpPr>
+      <p:sp>
+        <p:nvSpPr>
+          <p:cNvPr id="6" name="Title 5"/>
+          <p:cNvSpPr>
+            <a:spLocks noGrp="1"/>
+          </p:cNvSpPr>
+          <p:nvPr>
+            <p:ph type="title"/>
+          </p:nvPr>
+        </p:nvSpPr>
+        <p:spPr>
+          <a:xfrm>
+            <a:off x="1030287" y="2700867"/>
+            <a:ext cx="10131425" cy="1456267"/>
+          </a:xfrm>
+        </p:spPr>
+        <p:txBody>
+          <a:bodyPr/>
+          <a:lstStyle/>
+          <a:p>
+            <a:pPr algn="ctr"/>
+            <a:r>
+              <a:rPr lang="en-US" b="1" cap="none" dirty="0" smtClean="0">
+                <a:latin typeface="Open Sans" panose="020B0606030504020204" pitchFamily="34" charset="0"/>
+                <a:ea typeface="Open Sans" panose="020B0606030504020204" pitchFamily="34" charset="0"/>
+                <a:cs typeface="Open Sans" panose="020B0606030504020204" pitchFamily="34" charset="0"/>
+              </a:rPr>
+              <a:t>Buy vs Build</a:t>
+            </a:r>
+            <a:endParaRPr lang="en-US" b="1" cap="none" dirty="0">
+              <a:latin typeface="Open Sans" panose="020B0606030504020204" pitchFamily="34" charset="0"/>
+              <a:ea typeface="Open Sans" panose="020B0606030504020204" pitchFamily="34" charset="0"/>
+              <a:cs typeface="Open Sans" panose="020B0606030504020204" pitchFamily="34" charset="0"/>
+            </a:endParaRPr>
+          </a:p>
+        </p:txBody>
+      </p:sp>
+    </p:spTree>
+    <p:extLst>
+      <p:ext uri="{BB962C8B-B14F-4D97-AF65-F5344CB8AC3E}">
+        <p14:creationId xmlns:p14="http://schemas.microsoft.com/office/powerpoint/2010/main" val="3084732618"/>
+      </p:ext>
+    </p:extLst>
+  </p:cSld>
+  <p:clrMapOvr>
+    <a:masterClrMapping/>
+  </p:clrMapOvr>
+  <p:timing>
+    <p:tnLst>
+      <p:par>
+        <p:cTn id="1" dur="indefinite" restart="never" nodeType="tmRoot">
+          <p:childTnLst>
+            <p:seq concurrent="1" nextAc="seek">
+              <p:cTn id="2" dur="indefinite" nodeType="mainSeq">
+                <p:childTnLst>
+                  <p:par>
+                    <p:cTn id="3" fill="hold">
+                      <p:stCondLst>
+                        <p:cond delay="indefinite"/>
+                        <p:cond evt="onBegin" delay="0">
+                          <p:tn val="2"/>
+                        </p:cond>
+                      </p:stCondLst>
+                      <p:childTnLst>
+                        <p:par>
+                          <p:cTn id="4" fill="hold">
+                            <p:stCondLst>
+                              <p:cond delay="0"/>
+                            </p:stCondLst>
+                            <p:childTnLst>
+                              <p:par>
+                                <p:cTn id="5" presetID="10" presetClass="entr" presetSubtype="0" fill="hold" grpId="0" nodeType="withEffect">
+                                  <p:stCondLst>
+                                    <p:cond delay="0"/>
+                                  </p:stCondLst>
+                                  <p:childTnLst>
+                                    <p:set>
+                                      <p:cBhvr>
+                                        <p:cTn id="6" dur="1" fill="hold">
+                                          <p:stCondLst>
+                                            <p:cond delay="0"/>
+                                          </p:stCondLst>
+                                        </p:cTn>
+                                        <p:tgtEl>
+                                          <p:spTgt spid="6"/>
+                                        </p:tgtEl>
+                                        <p:attrNameLst>
+                                          <p:attrName>style.visibility</p:attrName>
+                                        </p:attrNameLst>
+                                      </p:cBhvr>
+                                      <p:to>
+                                        <p:strVal val="visible"/>
+                                      </p:to>
+                                    </p:set>
+                                    <p:animEffect transition="in" filter="fade">
+                                      <p:cBhvr>
+                                        <p:cTn id="7" dur="500"/>
+                                        <p:tgtEl>
+                                          <p:spTgt spid="6"/>
+                                        </p:tgtEl>
+                                      </p:cBhvr>
+                                    </p:animEffect>
+                                  </p:childTnLst>
+                                </p:cTn>
+                              </p:par>
+                            </p:childTnLst>
+                          </p:cTn>
+                        </p:par>
+                      </p:childTnLst>
+                    </p:cTn>
+                  </p:par>
+                </p:childTnLst>
+              </p:cTn>
+              <p:prevCondLst>
+                <p:cond evt="onPrev" delay="0">
+                  <p:tgtEl>
+                    <p:sldTgt/>
+                  </p:tgtEl>
+                </p:cond>
+              </p:prevCondLst>
+              <p:nextCondLst>
+                <p:cond evt="onNext" delay="0">
+                  <p:tgtEl>
+                    <p:sldTgt/>
+                  </p:tgtEl>
+                </p:cond>
+              </p:nextCondLst>
+            </p:seq>
+          </p:childTnLst>
+        </p:cTn>
+      </p:par>
+    </p:tnLst>
+    <p:bldLst>
+      <p:bldP spid="6" grpId="0"/>
+    </p:bldLst>
+  </p:timing>
+</p:sld>
+</file>
+
 <file path=ppt/theme/theme1.xml><?xml version="1.0" encoding="utf-8"?>
 <a:theme xmlns:a="http://schemas.openxmlformats.org/drawingml/2006/main" name="Celestial">
   <a:themeElements>
